--- a/PPT课件/Part5-2：ASP.NET Core Identity框架入门2.pptx
+++ b/PPT课件/Part5-2：ASP.NET Core Identity框架入门2.pptx
@@ -200,7 +200,7 @@
           <a:p>
             <a:fld id="{0A2FCA5F-0AB4-4B27-9880-843A32CD3FC4}" type="datetimeFigureOut">
               <a:rPr lang="zh-CN" altLang="en-US" smtClean="0"/>
-              <a:t>2021/12/21</a:t>
+              <a:t>2021/12/27</a:t>
             </a:fld>
             <a:endParaRPr lang="zh-CN" altLang="en-US"/>
           </a:p>
@@ -684,7 +684,7 @@
           <a:p>
             <a:fld id="{51EE646F-F65C-4115-9CFB-3F24605268F9}" type="datetimeFigureOut">
               <a:rPr lang="zh-CN" altLang="en-US" smtClean="0"/>
-              <a:t>2021/12/21</a:t>
+              <a:t>2021/12/27</a:t>
             </a:fld>
             <a:endParaRPr lang="zh-CN" altLang="en-US"/>
           </a:p>
@@ -971,7 +971,7 @@
           <a:p>
             <a:fld id="{51EE646F-F65C-4115-9CFB-3F24605268F9}" type="datetimeFigureOut">
               <a:rPr lang="zh-CN" altLang="en-US" smtClean="0"/>
-              <a:t>2021/12/21</a:t>
+              <a:t>2021/12/27</a:t>
             </a:fld>
             <a:endParaRPr lang="zh-CN" altLang="en-US"/>
           </a:p>
@@ -1163,7 +1163,7 @@
           <a:p>
             <a:fld id="{51EE646F-F65C-4115-9CFB-3F24605268F9}" type="datetimeFigureOut">
               <a:rPr lang="zh-CN" altLang="en-US" smtClean="0"/>
-              <a:t>2021/12/21</a:t>
+              <a:t>2021/12/27</a:t>
             </a:fld>
             <a:endParaRPr lang="zh-CN" altLang="en-US"/>
           </a:p>
@@ -1424,7 +1424,7 @@
           <a:p>
             <a:fld id="{51EE646F-F65C-4115-9CFB-3F24605268F9}" type="datetimeFigureOut">
               <a:rPr lang="zh-CN" altLang="en-US" smtClean="0"/>
-              <a:t>2021/12/21</a:t>
+              <a:t>2021/12/27</a:t>
             </a:fld>
             <a:endParaRPr lang="zh-CN" altLang="en-US"/>
           </a:p>
@@ -1848,7 +1848,7 @@
           <a:p>
             <a:fld id="{51EE646F-F65C-4115-9CFB-3F24605268F9}" type="datetimeFigureOut">
               <a:rPr lang="zh-CN" altLang="en-US" smtClean="0"/>
-              <a:t>2021/12/21</a:t>
+              <a:t>2021/12/27</a:t>
             </a:fld>
             <a:endParaRPr lang="zh-CN" altLang="en-US"/>
           </a:p>
@@ -2394,7 +2394,7 @@
           <a:p>
             <a:fld id="{51EE646F-F65C-4115-9CFB-3F24605268F9}" type="datetimeFigureOut">
               <a:rPr lang="zh-CN" altLang="en-US" smtClean="0"/>
-              <a:t>2021/12/21</a:t>
+              <a:t>2021/12/27</a:t>
             </a:fld>
             <a:endParaRPr lang="zh-CN" altLang="en-US"/>
           </a:p>
@@ -3234,7 +3234,7 @@
           <a:p>
             <a:fld id="{51EE646F-F65C-4115-9CFB-3F24605268F9}" type="datetimeFigureOut">
               <a:rPr lang="zh-CN" altLang="en-US" smtClean="0"/>
-              <a:t>2021/12/21</a:t>
+              <a:t>2021/12/27</a:t>
             </a:fld>
             <a:endParaRPr lang="zh-CN" altLang="en-US"/>
           </a:p>
@@ -3404,7 +3404,7 @@
           <a:p>
             <a:fld id="{51EE646F-F65C-4115-9CFB-3F24605268F9}" type="datetimeFigureOut">
               <a:rPr lang="zh-CN" altLang="en-US" smtClean="0"/>
-              <a:t>2021/12/21</a:t>
+              <a:t>2021/12/27</a:t>
             </a:fld>
             <a:endParaRPr lang="zh-CN" altLang="en-US"/>
           </a:p>
@@ -3588,7 +3588,7 @@
           <a:p>
             <a:fld id="{51EE646F-F65C-4115-9CFB-3F24605268F9}" type="datetimeFigureOut">
               <a:rPr lang="zh-CN" altLang="en-US" smtClean="0"/>
-              <a:t>2021/12/21</a:t>
+              <a:t>2021/12/27</a:t>
             </a:fld>
             <a:endParaRPr lang="zh-CN" altLang="en-US"/>
           </a:p>
@@ -3758,7 +3758,7 @@
           <a:p>
             <a:fld id="{51EE646F-F65C-4115-9CFB-3F24605268F9}" type="datetimeFigureOut">
               <a:rPr lang="zh-CN" altLang="en-US" smtClean="0"/>
-              <a:t>2021/12/21</a:t>
+              <a:t>2021/12/27</a:t>
             </a:fld>
             <a:endParaRPr lang="zh-CN" altLang="en-US"/>
           </a:p>
@@ -4006,7 +4006,7 @@
           <a:p>
             <a:fld id="{51EE646F-F65C-4115-9CFB-3F24605268F9}" type="datetimeFigureOut">
               <a:rPr lang="zh-CN" altLang="en-US" smtClean="0"/>
-              <a:t>2021/12/21</a:t>
+              <a:t>2021/12/27</a:t>
             </a:fld>
             <a:endParaRPr lang="zh-CN" altLang="en-US"/>
           </a:p>
@@ -4243,7 +4243,7 @@
           <a:p>
             <a:fld id="{51EE646F-F65C-4115-9CFB-3F24605268F9}" type="datetimeFigureOut">
               <a:rPr lang="zh-CN" altLang="en-US" smtClean="0"/>
-              <a:t>2021/12/21</a:t>
+              <a:t>2021/12/27</a:t>
             </a:fld>
             <a:endParaRPr lang="zh-CN" altLang="en-US"/>
           </a:p>
@@ -4616,7 +4616,7 @@
           <a:p>
             <a:fld id="{51EE646F-F65C-4115-9CFB-3F24605268F9}" type="datetimeFigureOut">
               <a:rPr lang="zh-CN" altLang="en-US" smtClean="0"/>
-              <a:t>2021/12/21</a:t>
+              <a:t>2021/12/27</a:t>
             </a:fld>
             <a:endParaRPr lang="zh-CN" altLang="en-US"/>
           </a:p>
@@ -4734,7 +4734,7 @@
           <a:p>
             <a:fld id="{51EE646F-F65C-4115-9CFB-3F24605268F9}" type="datetimeFigureOut">
               <a:rPr lang="zh-CN" altLang="en-US" smtClean="0"/>
-              <a:t>2021/12/21</a:t>
+              <a:t>2021/12/27</a:t>
             </a:fld>
             <a:endParaRPr lang="zh-CN" altLang="en-US"/>
           </a:p>
@@ -4829,7 +4829,7 @@
           <a:p>
             <a:fld id="{51EE646F-F65C-4115-9CFB-3F24605268F9}" type="datetimeFigureOut">
               <a:rPr lang="zh-CN" altLang="en-US" smtClean="0"/>
-              <a:t>2021/12/21</a:t>
+              <a:t>2021/12/27</a:t>
             </a:fld>
             <a:endParaRPr lang="zh-CN" altLang="en-US"/>
           </a:p>
@@ -5080,7 +5080,7 @@
           <a:p>
             <a:fld id="{51EE646F-F65C-4115-9CFB-3F24605268F9}" type="datetimeFigureOut">
               <a:rPr lang="zh-CN" altLang="en-US" smtClean="0"/>
-              <a:t>2021/12/21</a:t>
+              <a:t>2021/12/27</a:t>
             </a:fld>
             <a:endParaRPr lang="zh-CN" altLang="en-US"/>
           </a:p>
@@ -5367,7 +5367,7 @@
           <a:p>
             <a:fld id="{51EE646F-F65C-4115-9CFB-3F24605268F9}" type="datetimeFigureOut">
               <a:rPr lang="zh-CN" altLang="en-US" smtClean="0"/>
-              <a:t>2021/12/21</a:t>
+              <a:t>2021/12/27</a:t>
             </a:fld>
             <a:endParaRPr lang="zh-CN" altLang="en-US"/>
           </a:p>
@@ -5580,7 +5580,7 @@
           <a:p>
             <a:fld id="{51EE646F-F65C-4115-9CFB-3F24605268F9}" type="datetimeFigureOut">
               <a:rPr lang="zh-CN" altLang="en-US" smtClean="0"/>
-              <a:t>2021/12/21</a:t>
+              <a:t>2021/12/27</a:t>
             </a:fld>
             <a:endParaRPr lang="zh-CN" altLang="en-US"/>
           </a:p>
@@ -6116,8 +6116,8 @@
               <a:rPr lang="en-US" altLang="zh-CN" sz="6600" dirty="0"/>
             </a:br>
             <a:r>
-              <a:rPr lang="zh-CN" altLang="en-US" sz="6600" dirty="0"/>
-              <a:t>第四部分</a:t>
+              <a:rPr lang="zh-CN" altLang="en-US" sz="6600"/>
+              <a:t>第五部分</a:t>
             </a:r>
             <a:br>
               <a:rPr lang="en-US" altLang="zh-CN" sz="6600" dirty="0"/>

--- a/PPT课件/Part5-2：ASP.NET Core Identity框架入门2.pptx
+++ b/PPT课件/Part5-2：ASP.NET Core Identity框架入门2.pptx
@@ -200,7 +200,7 @@
           <a:p>
             <a:fld id="{0A2FCA5F-0AB4-4B27-9880-843A32CD3FC4}" type="datetimeFigureOut">
               <a:rPr lang="zh-CN" altLang="en-US" smtClean="0"/>
-              <a:t>2021/12/27</a:t>
+              <a:t>2022/1/7</a:t>
             </a:fld>
             <a:endParaRPr lang="zh-CN" altLang="en-US"/>
           </a:p>
@@ -684,7 +684,7 @@
           <a:p>
             <a:fld id="{51EE646F-F65C-4115-9CFB-3F24605268F9}" type="datetimeFigureOut">
               <a:rPr lang="zh-CN" altLang="en-US" smtClean="0"/>
-              <a:t>2021/12/27</a:t>
+              <a:t>2022/1/7</a:t>
             </a:fld>
             <a:endParaRPr lang="zh-CN" altLang="en-US"/>
           </a:p>
@@ -971,7 +971,7 @@
           <a:p>
             <a:fld id="{51EE646F-F65C-4115-9CFB-3F24605268F9}" type="datetimeFigureOut">
               <a:rPr lang="zh-CN" altLang="en-US" smtClean="0"/>
-              <a:t>2021/12/27</a:t>
+              <a:t>2022/1/7</a:t>
             </a:fld>
             <a:endParaRPr lang="zh-CN" altLang="en-US"/>
           </a:p>
@@ -1163,7 +1163,7 @@
           <a:p>
             <a:fld id="{51EE646F-F65C-4115-9CFB-3F24605268F9}" type="datetimeFigureOut">
               <a:rPr lang="zh-CN" altLang="en-US" smtClean="0"/>
-              <a:t>2021/12/27</a:t>
+              <a:t>2022/1/7</a:t>
             </a:fld>
             <a:endParaRPr lang="zh-CN" altLang="en-US"/>
           </a:p>
@@ -1424,7 +1424,7 @@
           <a:p>
             <a:fld id="{51EE646F-F65C-4115-9CFB-3F24605268F9}" type="datetimeFigureOut">
               <a:rPr lang="zh-CN" altLang="en-US" smtClean="0"/>
-              <a:t>2021/12/27</a:t>
+              <a:t>2022/1/7</a:t>
             </a:fld>
             <a:endParaRPr lang="zh-CN" altLang="en-US"/>
           </a:p>
@@ -1848,7 +1848,7 @@
           <a:p>
             <a:fld id="{51EE646F-F65C-4115-9CFB-3F24605268F9}" type="datetimeFigureOut">
               <a:rPr lang="zh-CN" altLang="en-US" smtClean="0"/>
-              <a:t>2021/12/27</a:t>
+              <a:t>2022/1/7</a:t>
             </a:fld>
             <a:endParaRPr lang="zh-CN" altLang="en-US"/>
           </a:p>
@@ -2394,7 +2394,7 @@
           <a:p>
             <a:fld id="{51EE646F-F65C-4115-9CFB-3F24605268F9}" type="datetimeFigureOut">
               <a:rPr lang="zh-CN" altLang="en-US" smtClean="0"/>
-              <a:t>2021/12/27</a:t>
+              <a:t>2022/1/7</a:t>
             </a:fld>
             <a:endParaRPr lang="zh-CN" altLang="en-US"/>
           </a:p>
@@ -3234,7 +3234,7 @@
           <a:p>
             <a:fld id="{51EE646F-F65C-4115-9CFB-3F24605268F9}" type="datetimeFigureOut">
               <a:rPr lang="zh-CN" altLang="en-US" smtClean="0"/>
-              <a:t>2021/12/27</a:t>
+              <a:t>2022/1/7</a:t>
             </a:fld>
             <a:endParaRPr lang="zh-CN" altLang="en-US"/>
           </a:p>
@@ -3404,7 +3404,7 @@
           <a:p>
             <a:fld id="{51EE646F-F65C-4115-9CFB-3F24605268F9}" type="datetimeFigureOut">
               <a:rPr lang="zh-CN" altLang="en-US" smtClean="0"/>
-              <a:t>2021/12/27</a:t>
+              <a:t>2022/1/7</a:t>
             </a:fld>
             <a:endParaRPr lang="zh-CN" altLang="en-US"/>
           </a:p>
@@ -3588,7 +3588,7 @@
           <a:p>
             <a:fld id="{51EE646F-F65C-4115-9CFB-3F24605268F9}" type="datetimeFigureOut">
               <a:rPr lang="zh-CN" altLang="en-US" smtClean="0"/>
-              <a:t>2021/12/27</a:t>
+              <a:t>2022/1/7</a:t>
             </a:fld>
             <a:endParaRPr lang="zh-CN" altLang="en-US"/>
           </a:p>
@@ -3758,7 +3758,7 @@
           <a:p>
             <a:fld id="{51EE646F-F65C-4115-9CFB-3F24605268F9}" type="datetimeFigureOut">
               <a:rPr lang="zh-CN" altLang="en-US" smtClean="0"/>
-              <a:t>2021/12/27</a:t>
+              <a:t>2022/1/7</a:t>
             </a:fld>
             <a:endParaRPr lang="zh-CN" altLang="en-US"/>
           </a:p>
@@ -4006,7 +4006,7 @@
           <a:p>
             <a:fld id="{51EE646F-F65C-4115-9CFB-3F24605268F9}" type="datetimeFigureOut">
               <a:rPr lang="zh-CN" altLang="en-US" smtClean="0"/>
-              <a:t>2021/12/27</a:t>
+              <a:t>2022/1/7</a:t>
             </a:fld>
             <a:endParaRPr lang="zh-CN" altLang="en-US"/>
           </a:p>
@@ -4243,7 +4243,7 @@
           <a:p>
             <a:fld id="{51EE646F-F65C-4115-9CFB-3F24605268F9}" type="datetimeFigureOut">
               <a:rPr lang="zh-CN" altLang="en-US" smtClean="0"/>
-              <a:t>2021/12/27</a:t>
+              <a:t>2022/1/7</a:t>
             </a:fld>
             <a:endParaRPr lang="zh-CN" altLang="en-US"/>
           </a:p>
@@ -4616,7 +4616,7 @@
           <a:p>
             <a:fld id="{51EE646F-F65C-4115-9CFB-3F24605268F9}" type="datetimeFigureOut">
               <a:rPr lang="zh-CN" altLang="en-US" smtClean="0"/>
-              <a:t>2021/12/27</a:t>
+              <a:t>2022/1/7</a:t>
             </a:fld>
             <a:endParaRPr lang="zh-CN" altLang="en-US"/>
           </a:p>
@@ -4734,7 +4734,7 @@
           <a:p>
             <a:fld id="{51EE646F-F65C-4115-9CFB-3F24605268F9}" type="datetimeFigureOut">
               <a:rPr lang="zh-CN" altLang="en-US" smtClean="0"/>
-              <a:t>2021/12/27</a:t>
+              <a:t>2022/1/7</a:t>
             </a:fld>
             <a:endParaRPr lang="zh-CN" altLang="en-US"/>
           </a:p>
@@ -4829,7 +4829,7 @@
           <a:p>
             <a:fld id="{51EE646F-F65C-4115-9CFB-3F24605268F9}" type="datetimeFigureOut">
               <a:rPr lang="zh-CN" altLang="en-US" smtClean="0"/>
-              <a:t>2021/12/27</a:t>
+              <a:t>2022/1/7</a:t>
             </a:fld>
             <a:endParaRPr lang="zh-CN" altLang="en-US"/>
           </a:p>
@@ -5080,7 +5080,7 @@
           <a:p>
             <a:fld id="{51EE646F-F65C-4115-9CFB-3F24605268F9}" type="datetimeFigureOut">
               <a:rPr lang="zh-CN" altLang="en-US" smtClean="0"/>
-              <a:t>2021/12/27</a:t>
+              <a:t>2022/1/7</a:t>
             </a:fld>
             <a:endParaRPr lang="zh-CN" altLang="en-US"/>
           </a:p>
@@ -5367,7 +5367,7 @@
           <a:p>
             <a:fld id="{51EE646F-F65C-4115-9CFB-3F24605268F9}" type="datetimeFigureOut">
               <a:rPr lang="zh-CN" altLang="en-US" smtClean="0"/>
-              <a:t>2021/12/27</a:t>
+              <a:t>2022/1/7</a:t>
             </a:fld>
             <a:endParaRPr lang="zh-CN" altLang="en-US"/>
           </a:p>
@@ -5580,7 +5580,7 @@
           <a:p>
             <a:fld id="{51EE646F-F65C-4115-9CFB-3F24605268F9}" type="datetimeFigureOut">
               <a:rPr lang="zh-CN" altLang="en-US" smtClean="0"/>
-              <a:t>2021/12/27</a:t>
+              <a:t>2022/1/7</a:t>
             </a:fld>
             <a:endParaRPr lang="zh-CN" altLang="en-US"/>
           </a:p>
@@ -7000,7 +7000,7 @@
               <a:buNone/>
             </a:pPr>
             <a:r>
-              <a:rPr lang="en-US" altLang="zh-CN" sz="3200" dirty="0">
+              <a:rPr lang="en-US" altLang="zh-CN" sz="3000" dirty="0">
                 <a:effectLst/>
                 <a:ea typeface="等线" panose="02010600030101010101" pitchFamily="2" charset="-122"/>
                 <a:cs typeface="Times New Roman" panose="02020603050405020304" pitchFamily="18" charset="0"/>
@@ -7008,14 +7008,14 @@
               <a:t>9</a:t>
             </a:r>
             <a:r>
-              <a:rPr lang="zh-CN" altLang="en-US" sz="3200" dirty="0">
+              <a:rPr lang="zh-CN" altLang="en-US" sz="3000" dirty="0">
                 <a:effectLst/>
                 <a:ea typeface="等线" panose="02010600030101010101" pitchFamily="2" charset="-122"/>
                 <a:cs typeface="Times New Roman" panose="02020603050405020304" pitchFamily="18" charset="0"/>
               </a:rPr>
               <a:t>、检查登录用户信息</a:t>
             </a:r>
-            <a:endParaRPr lang="en-US" altLang="zh-CN" sz="3200" dirty="0">
+            <a:endParaRPr lang="en-US" altLang="zh-CN" sz="3000" dirty="0">
               <a:effectLst/>
               <a:ea typeface="等线" panose="02010600030101010101" pitchFamily="2" charset="-122"/>
               <a:cs typeface="Times New Roman" panose="02020603050405020304" pitchFamily="18" charset="0"/>
@@ -7032,7 +7032,7 @@
               <a:buNone/>
             </a:pPr>
             <a:r>
-              <a:rPr lang="en-US" altLang="zh-CN" sz="3500" dirty="0">
+              <a:rPr lang="en-US" altLang="zh-CN" sz="3000" dirty="0">
                 <a:effectLst/>
                 <a:ea typeface="等线" panose="02010600030101010101" pitchFamily="2" charset="-122"/>
                 <a:cs typeface="Times New Roman" panose="02020603050405020304" pitchFamily="18" charset="0"/>
@@ -7040,7 +7040,7 @@
               <a:t>string </a:t>
             </a:r>
             <a:r>
-              <a:rPr lang="en-US" altLang="zh-CN" sz="3500" dirty="0" err="1">
+              <a:rPr lang="en-US" altLang="zh-CN" sz="3000" dirty="0" err="1">
                 <a:effectLst/>
                 <a:ea typeface="等线" panose="02010600030101010101" pitchFamily="2" charset="-122"/>
                 <a:cs typeface="Times New Roman" panose="02020603050405020304" pitchFamily="18" charset="0"/>
@@ -7048,7 +7048,7 @@
               <a:t>userName</a:t>
             </a:r>
             <a:r>
-              <a:rPr lang="en-US" altLang="zh-CN" sz="3500" dirty="0">
+              <a:rPr lang="en-US" altLang="zh-CN" sz="3000" dirty="0">
                 <a:effectLst/>
                 <a:ea typeface="等线" panose="02010600030101010101" pitchFamily="2" charset="-122"/>
                 <a:cs typeface="Times New Roman" panose="02020603050405020304" pitchFamily="18" charset="0"/>
@@ -7056,7 +7056,7 @@
               <a:t> = </a:t>
             </a:r>
             <a:r>
-              <a:rPr lang="en-US" altLang="zh-CN" sz="3500" dirty="0" err="1">
+              <a:rPr lang="en-US" altLang="zh-CN" sz="3000" dirty="0" err="1">
                 <a:effectLst/>
                 <a:ea typeface="等线" panose="02010600030101010101" pitchFamily="2" charset="-122"/>
                 <a:cs typeface="Times New Roman" panose="02020603050405020304" pitchFamily="18" charset="0"/>
@@ -7064,7 +7064,7 @@
               <a:t>req.UserName</a:t>
             </a:r>
             <a:r>
-              <a:rPr lang="en-US" altLang="zh-CN" sz="3500" dirty="0">
+              <a:rPr lang="en-US" altLang="zh-CN" sz="3000" dirty="0">
                 <a:effectLst/>
                 <a:ea typeface="等线" panose="02010600030101010101" pitchFamily="2" charset="-122"/>
                 <a:cs typeface="Times New Roman" panose="02020603050405020304" pitchFamily="18" charset="0"/>
@@ -7083,7 +7083,7 @@
               <a:buNone/>
             </a:pPr>
             <a:r>
-              <a:rPr lang="en-US" altLang="zh-CN" sz="3500" dirty="0">
+              <a:rPr lang="en-US" altLang="zh-CN" sz="3000" dirty="0">
                 <a:effectLst/>
                 <a:ea typeface="等线" panose="02010600030101010101" pitchFamily="2" charset="-122"/>
                 <a:cs typeface="Times New Roman" panose="02020603050405020304" pitchFamily="18" charset="0"/>
@@ -7091,7 +7091,7 @@
               <a:t>string password = </a:t>
             </a:r>
             <a:r>
-              <a:rPr lang="en-US" altLang="zh-CN" sz="3500" dirty="0" err="1">
+              <a:rPr lang="en-US" altLang="zh-CN" sz="3000" dirty="0" err="1">
                 <a:effectLst/>
                 <a:ea typeface="等线" panose="02010600030101010101" pitchFamily="2" charset="-122"/>
                 <a:cs typeface="Times New Roman" panose="02020603050405020304" pitchFamily="18" charset="0"/>
@@ -7099,7 +7099,7 @@
               <a:t>req.Password</a:t>
             </a:r>
             <a:r>
-              <a:rPr lang="en-US" altLang="zh-CN" sz="3500" dirty="0">
+              <a:rPr lang="en-US" altLang="zh-CN" sz="3000" dirty="0">
                 <a:effectLst/>
                 <a:ea typeface="等线" panose="02010600030101010101" pitchFamily="2" charset="-122"/>
                 <a:cs typeface="Times New Roman" panose="02020603050405020304" pitchFamily="18" charset="0"/>
@@ -7118,7 +7118,7 @@
               <a:buNone/>
             </a:pPr>
             <a:r>
-              <a:rPr lang="en-US" altLang="zh-CN" sz="3500" dirty="0">
+              <a:rPr lang="en-US" altLang="zh-CN" sz="3000" dirty="0">
                 <a:effectLst/>
                 <a:ea typeface="等线" panose="02010600030101010101" pitchFamily="2" charset="-122"/>
                 <a:cs typeface="Times New Roman" panose="02020603050405020304" pitchFamily="18" charset="0"/>
@@ -7126,7 +7126,7 @@
               <a:t>var user = await </a:t>
             </a:r>
             <a:r>
-              <a:rPr lang="en-US" altLang="zh-CN" sz="3500" dirty="0" err="1">
+              <a:rPr lang="en-US" altLang="zh-CN" sz="3000" dirty="0" err="1">
                 <a:effectLst/>
                 <a:ea typeface="等线" panose="02010600030101010101" pitchFamily="2" charset="-122"/>
                 <a:cs typeface="Times New Roman" panose="02020603050405020304" pitchFamily="18" charset="0"/>
@@ -7134,7 +7134,7 @@
               <a:t>userManager.FindByNameAsync</a:t>
             </a:r>
             <a:r>
-              <a:rPr lang="en-US" altLang="zh-CN" sz="3500" dirty="0">
+              <a:rPr lang="en-US" altLang="zh-CN" sz="3000" dirty="0">
                 <a:effectLst/>
                 <a:ea typeface="等线" panose="02010600030101010101" pitchFamily="2" charset="-122"/>
                 <a:cs typeface="Times New Roman" panose="02020603050405020304" pitchFamily="18" charset="0"/>
@@ -7142,7 +7142,7 @@
               <a:t>(</a:t>
             </a:r>
             <a:r>
-              <a:rPr lang="en-US" altLang="zh-CN" sz="3500" dirty="0" err="1">
+              <a:rPr lang="en-US" altLang="zh-CN" sz="3000" dirty="0" err="1">
                 <a:effectLst/>
                 <a:ea typeface="等线" panose="02010600030101010101" pitchFamily="2" charset="-122"/>
                 <a:cs typeface="Times New Roman" panose="02020603050405020304" pitchFamily="18" charset="0"/>
@@ -7150,7 +7150,7 @@
               <a:t>userName</a:t>
             </a:r>
             <a:r>
-              <a:rPr lang="en-US" altLang="zh-CN" sz="3500" dirty="0">
+              <a:rPr lang="en-US" altLang="zh-CN" sz="3000" dirty="0">
                 <a:effectLst/>
                 <a:ea typeface="等线" panose="02010600030101010101" pitchFamily="2" charset="-122"/>
                 <a:cs typeface="Times New Roman" panose="02020603050405020304" pitchFamily="18" charset="0"/>
@@ -7169,7 +7169,7 @@
               <a:buNone/>
             </a:pPr>
             <a:r>
-              <a:rPr lang="en-US" altLang="zh-CN" sz="3500" dirty="0">
+              <a:rPr lang="en-US" altLang="zh-CN" sz="3000" dirty="0">
                 <a:effectLst/>
                 <a:ea typeface="等线" panose="02010600030101010101" pitchFamily="2" charset="-122"/>
                 <a:cs typeface="Times New Roman" panose="02020603050405020304" pitchFamily="18" charset="0"/>
@@ -7188,7 +7188,7 @@
               <a:buNone/>
             </a:pPr>
             <a:r>
-              <a:rPr lang="en-US" altLang="zh-CN" sz="3500" dirty="0">
+              <a:rPr lang="en-US" altLang="zh-CN" sz="3000" dirty="0">
                 <a:effectLst/>
                 <a:ea typeface="等线" panose="02010600030101010101" pitchFamily="2" charset="-122"/>
                 <a:cs typeface="Times New Roman" panose="02020603050405020304" pitchFamily="18" charset="0"/>
@@ -7196,7 +7196,7 @@
               <a:t>	return </a:t>
             </a:r>
             <a:r>
-              <a:rPr lang="en-US" altLang="zh-CN" sz="3500" dirty="0" err="1">
+              <a:rPr lang="en-US" altLang="zh-CN" sz="3000" dirty="0" err="1">
                 <a:effectLst/>
                 <a:ea typeface="等线" panose="02010600030101010101" pitchFamily="2" charset="-122"/>
                 <a:cs typeface="Times New Roman" panose="02020603050405020304" pitchFamily="18" charset="0"/>
@@ -7204,7 +7204,7 @@
               <a:t>NotFound</a:t>
             </a:r>
             <a:r>
-              <a:rPr lang="en-US" altLang="zh-CN" sz="3500" dirty="0">
+              <a:rPr lang="en-US" altLang="zh-CN" sz="3000" dirty="0">
                 <a:effectLst/>
                 <a:ea typeface="等线" panose="02010600030101010101" pitchFamily="2" charset="-122"/>
                 <a:cs typeface="Times New Roman" panose="02020603050405020304" pitchFamily="18" charset="0"/>
@@ -7212,7 +7212,7 @@
               <a:t>($"</a:t>
             </a:r>
             <a:r>
-              <a:rPr lang="zh-CN" altLang="en-US" sz="3500" dirty="0">
+              <a:rPr lang="zh-CN" altLang="en-US" sz="3000" dirty="0">
                 <a:effectLst/>
                 <a:ea typeface="等线" panose="02010600030101010101" pitchFamily="2" charset="-122"/>
                 <a:cs typeface="Times New Roman" panose="02020603050405020304" pitchFamily="18" charset="0"/>
@@ -7220,7 +7220,7 @@
               <a:t>用户名不存在</a:t>
             </a:r>
             <a:r>
-              <a:rPr lang="en-US" altLang="zh-CN" sz="3500" dirty="0">
+              <a:rPr lang="en-US" altLang="zh-CN" sz="3000" dirty="0">
                 <a:effectLst/>
                 <a:ea typeface="等线" panose="02010600030101010101" pitchFamily="2" charset="-122"/>
                 <a:cs typeface="Times New Roman" panose="02020603050405020304" pitchFamily="18" charset="0"/>
@@ -7228,7 +7228,7 @@
               <a:t>{</a:t>
             </a:r>
             <a:r>
-              <a:rPr lang="en-US" altLang="zh-CN" sz="3500" dirty="0" err="1">
+              <a:rPr lang="en-US" altLang="zh-CN" sz="3000" dirty="0" err="1">
                 <a:effectLst/>
                 <a:ea typeface="等线" panose="02010600030101010101" pitchFamily="2" charset="-122"/>
                 <a:cs typeface="Times New Roman" panose="02020603050405020304" pitchFamily="18" charset="0"/>
@@ -7236,7 +7236,7 @@
               <a:t>userName</a:t>
             </a:r>
             <a:r>
-              <a:rPr lang="en-US" altLang="zh-CN" sz="3500" dirty="0">
+              <a:rPr lang="en-US" altLang="zh-CN" sz="3000" dirty="0">
                 <a:effectLst/>
                 <a:ea typeface="等线" panose="02010600030101010101" pitchFamily="2" charset="-122"/>
                 <a:cs typeface="Times New Roman" panose="02020603050405020304" pitchFamily="18" charset="0"/>
@@ -7255,7 +7255,7 @@
               <a:buNone/>
             </a:pPr>
             <a:r>
-              <a:rPr lang="en-US" altLang="zh-CN" sz="3500" dirty="0">
+              <a:rPr lang="en-US" altLang="zh-CN" sz="3000" dirty="0">
                 <a:effectLst/>
                 <a:ea typeface="等线" panose="02010600030101010101" pitchFamily="2" charset="-122"/>
                 <a:cs typeface="Times New Roman" panose="02020603050405020304" pitchFamily="18" charset="0"/>
@@ -7263,7 +7263,7 @@
               <a:t>if (await </a:t>
             </a:r>
             <a:r>
-              <a:rPr lang="en-US" altLang="zh-CN" sz="3500" dirty="0" err="1">
+              <a:rPr lang="en-US" altLang="zh-CN" sz="3000" dirty="0" err="1">
                 <a:effectLst/>
                 <a:ea typeface="等线" panose="02010600030101010101" pitchFamily="2" charset="-122"/>
                 <a:cs typeface="Times New Roman" panose="02020603050405020304" pitchFamily="18" charset="0"/>
@@ -7271,7 +7271,7 @@
               <a:t>userManager.IsLockedOutAsync</a:t>
             </a:r>
             <a:r>
-              <a:rPr lang="en-US" altLang="zh-CN" sz="3500" dirty="0">
+              <a:rPr lang="en-US" altLang="zh-CN" sz="3000" dirty="0">
                 <a:effectLst/>
                 <a:ea typeface="等线" panose="02010600030101010101" pitchFamily="2" charset="-122"/>
                 <a:cs typeface="Times New Roman" panose="02020603050405020304" pitchFamily="18" charset="0"/>
@@ -7290,7 +7290,7 @@
               <a:buNone/>
             </a:pPr>
             <a:r>
-              <a:rPr lang="en-US" altLang="zh-CN" sz="3500" dirty="0">
+              <a:rPr lang="en-US" altLang="zh-CN" sz="3000" dirty="0">
                 <a:effectLst/>
                 <a:ea typeface="等线" panose="02010600030101010101" pitchFamily="2" charset="-122"/>
                 <a:cs typeface="Times New Roman" panose="02020603050405020304" pitchFamily="18" charset="0"/>
@@ -7298,7 +7298,7 @@
               <a:t>return </a:t>
             </a:r>
             <a:r>
-              <a:rPr lang="en-US" altLang="zh-CN" sz="3500" dirty="0" err="1">
+              <a:rPr lang="en-US" altLang="zh-CN" sz="3000" dirty="0" err="1">
                 <a:effectLst/>
                 <a:ea typeface="等线" panose="02010600030101010101" pitchFamily="2" charset="-122"/>
                 <a:cs typeface="Times New Roman" panose="02020603050405020304" pitchFamily="18" charset="0"/>
@@ -7306,7 +7306,7 @@
               <a:t>BadRequest</a:t>
             </a:r>
             <a:r>
-              <a:rPr lang="en-US" altLang="zh-CN" sz="3500" dirty="0">
+              <a:rPr lang="en-US" altLang="zh-CN" sz="3000" dirty="0">
                 <a:effectLst/>
                 <a:ea typeface="等线" panose="02010600030101010101" pitchFamily="2" charset="-122"/>
                 <a:cs typeface="Times New Roman" panose="02020603050405020304" pitchFamily="18" charset="0"/>
@@ -7314,7 +7314,7 @@
               <a:t>("</a:t>
             </a:r>
             <a:r>
-              <a:rPr lang="en-US" altLang="zh-CN" sz="3500" dirty="0" err="1">
+              <a:rPr lang="en-US" altLang="zh-CN" sz="3000" dirty="0" err="1">
                 <a:effectLst/>
                 <a:ea typeface="等线" panose="02010600030101010101" pitchFamily="2" charset="-122"/>
                 <a:cs typeface="Times New Roman" panose="02020603050405020304" pitchFamily="18" charset="0"/>
@@ -7322,7 +7322,7 @@
               <a:t>LockedOut</a:t>
             </a:r>
             <a:r>
-              <a:rPr lang="en-US" altLang="zh-CN" sz="3500" dirty="0">
+              <a:rPr lang="en-US" altLang="zh-CN" sz="3000" dirty="0">
                 <a:effectLst/>
                 <a:ea typeface="等线" panose="02010600030101010101" pitchFamily="2" charset="-122"/>
                 <a:cs typeface="Times New Roman" panose="02020603050405020304" pitchFamily="18" charset="0"/>
@@ -7341,7 +7341,7 @@
               <a:buNone/>
             </a:pPr>
             <a:r>
-              <a:rPr lang="en-US" altLang="zh-CN" sz="3500" dirty="0">
+              <a:rPr lang="en-US" altLang="zh-CN" sz="3000" dirty="0">
                 <a:effectLst/>
                 <a:ea typeface="等线" panose="02010600030101010101" pitchFamily="2" charset="-122"/>
                 <a:cs typeface="Times New Roman" panose="02020603050405020304" pitchFamily="18" charset="0"/>
@@ -7349,7 +7349,7 @@
               <a:t>var success = await </a:t>
             </a:r>
             <a:r>
-              <a:rPr lang="en-US" altLang="zh-CN" sz="3500" dirty="0" err="1">
+              <a:rPr lang="en-US" altLang="zh-CN" sz="3000" dirty="0" err="1">
                 <a:effectLst/>
                 <a:ea typeface="等线" panose="02010600030101010101" pitchFamily="2" charset="-122"/>
                 <a:cs typeface="Times New Roman" panose="02020603050405020304" pitchFamily="18" charset="0"/>
@@ -7357,7 +7357,7 @@
               <a:t>userManager.CheckPasswordAsync</a:t>
             </a:r>
             <a:r>
-              <a:rPr lang="en-US" altLang="zh-CN" sz="3500" dirty="0">
+              <a:rPr lang="en-US" altLang="zh-CN" sz="3000" dirty="0">
                 <a:effectLst/>
                 <a:ea typeface="等线" panose="02010600030101010101" pitchFamily="2" charset="-122"/>
                 <a:cs typeface="Times New Roman" panose="02020603050405020304" pitchFamily="18" charset="0"/>
@@ -7376,12 +7376,12 @@
               <a:buNone/>
             </a:pPr>
             <a:r>
-              <a:rPr lang="en-US" altLang="zh-CN" sz="3500" dirty="0">
-                <a:effectLst/>
-                <a:ea typeface="等线" panose="02010600030101010101" pitchFamily="2" charset="-122"/>
-                <a:cs typeface="Times New Roman" panose="02020603050405020304" pitchFamily="18" charset="0"/>
-              </a:rPr>
-              <a:t>if (success) return Ok("Success");</a:t>
+              <a:rPr lang="en-US" altLang="zh-CN" sz="3000" dirty="0">
+                <a:effectLst/>
+                <a:ea typeface="等线" panose="02010600030101010101" pitchFamily="2" charset="-122"/>
+                <a:cs typeface="Times New Roman" panose="02020603050405020304" pitchFamily="18" charset="0"/>
+              </a:rPr>
+              <a:t>if (success) {</a:t>
             </a:r>
           </a:p>
           <a:p>
@@ -7395,7 +7395,88 @@
               <a:buNone/>
             </a:pPr>
             <a:r>
-              <a:rPr lang="en-US" altLang="zh-CN" sz="3500" dirty="0">
+              <a:rPr lang="en-US" altLang="zh-CN" sz="3000" dirty="0">
+                <a:effectLst/>
+                <a:ea typeface="等线" panose="02010600030101010101" pitchFamily="2" charset="-122"/>
+                <a:cs typeface="Times New Roman" panose="02020603050405020304" pitchFamily="18" charset="0"/>
+              </a:rPr>
+              <a:t>   await </a:t>
+            </a:r>
+            <a:r>
+              <a:rPr lang="en-US" altLang="zh-CN" sz="3000" dirty="0" err="1">
+                <a:effectLst/>
+                <a:ea typeface="等线" panose="02010600030101010101" pitchFamily="2" charset="-122"/>
+                <a:cs typeface="Times New Roman" panose="02020603050405020304" pitchFamily="18" charset="0"/>
+              </a:rPr>
+              <a:t>userManager.ResetAccessFailedCountAsync</a:t>
+            </a:r>
+            <a:r>
+              <a:rPr lang="en-US" altLang="zh-CN" sz="3000" dirty="0">
+                <a:effectLst/>
+                <a:ea typeface="等线" panose="02010600030101010101" pitchFamily="2" charset="-122"/>
+                <a:cs typeface="Times New Roman" panose="02020603050405020304" pitchFamily="18" charset="0"/>
+              </a:rPr>
+              <a:t>(user);</a:t>
+            </a:r>
+          </a:p>
+          <a:p>
+            <a:pPr marL="0" indent="0">
+              <a:lnSpc>
+                <a:spcPct val="100000"/>
+              </a:lnSpc>
+              <a:spcBef>
+                <a:spcPts val="0"/>
+              </a:spcBef>
+              <a:buNone/>
+            </a:pPr>
+            <a:r>
+              <a:rPr lang="en-US" altLang="zh-CN" sz="3000">
+                <a:effectLst/>
+                <a:ea typeface="等线" panose="02010600030101010101" pitchFamily="2" charset="-122"/>
+                <a:cs typeface="Times New Roman" panose="02020603050405020304" pitchFamily="18" charset="0"/>
+              </a:rPr>
+              <a:t> return  Ok</a:t>
+            </a:r>
+            <a:r>
+              <a:rPr lang="en-US" altLang="zh-CN" sz="3000" dirty="0">
+                <a:effectLst/>
+                <a:ea typeface="等线" panose="02010600030101010101" pitchFamily="2" charset="-122"/>
+                <a:cs typeface="Times New Roman" panose="02020603050405020304" pitchFamily="18" charset="0"/>
+              </a:rPr>
+              <a:t>("Success");</a:t>
+            </a:r>
+          </a:p>
+          <a:p>
+            <a:pPr marL="0" indent="0">
+              <a:lnSpc>
+                <a:spcPct val="100000"/>
+              </a:lnSpc>
+              <a:spcBef>
+                <a:spcPts val="0"/>
+              </a:spcBef>
+              <a:buNone/>
+            </a:pPr>
+            <a:r>
+              <a:rPr lang="en-US" altLang="zh-CN" sz="3000" dirty="0">
+                <a:effectLst/>
+                <a:ea typeface="等线" panose="02010600030101010101" pitchFamily="2" charset="-122"/>
+                <a:cs typeface="Times New Roman" panose="02020603050405020304" pitchFamily="18" charset="0"/>
+              </a:rPr>
+              <a:t>}</a:t>
+            </a:r>
+          </a:p>
+          <a:p>
+            <a:pPr marL="0" indent="0">
+              <a:lnSpc>
+                <a:spcPct val="100000"/>
+              </a:lnSpc>
+              <a:spcBef>
+                <a:spcPts val="0"/>
+              </a:spcBef>
+              <a:buNone/>
+            </a:pPr>
+            <a:r>
+              <a:rPr lang="en-US" altLang="zh-CN" sz="3000" dirty="0">
                 <a:effectLst/>
                 <a:ea typeface="等线" panose="02010600030101010101" pitchFamily="2" charset="-122"/>
                 <a:cs typeface="Times New Roman" panose="02020603050405020304" pitchFamily="18" charset="0"/>
@@ -7403,7 +7484,7 @@
               <a:t>else await </a:t>
             </a:r>
             <a:r>
-              <a:rPr lang="en-US" altLang="zh-CN" sz="3500" dirty="0" err="1">
+              <a:rPr lang="en-US" altLang="zh-CN" sz="3000" dirty="0" err="1">
                 <a:effectLst/>
                 <a:ea typeface="等线" panose="02010600030101010101" pitchFamily="2" charset="-122"/>
                 <a:cs typeface="Times New Roman" panose="02020603050405020304" pitchFamily="18" charset="0"/>
@@ -7411,7 +7492,7 @@
               <a:t>userManager.AccessFailedAsync</a:t>
             </a:r>
             <a:r>
-              <a:rPr lang="en-US" altLang="zh-CN" sz="3500" dirty="0">
+              <a:rPr lang="en-US" altLang="zh-CN" sz="3000" dirty="0">
                 <a:effectLst/>
                 <a:ea typeface="等线" panose="02010600030101010101" pitchFamily="2" charset="-122"/>
                 <a:cs typeface="Times New Roman" panose="02020603050405020304" pitchFamily="18" charset="0"/>
